--- a/oldVersion/apresentacao_com_fundo_e_grafico.pptx
+++ b/oldVersion/apresentacao_com_fundo_e_grafico.pptx
@@ -3129,7 +3129,7 @@
             <a:avLst/>
           </a:prstGeom>
           <a:solidFill>
-            <a:srgbClr val="FF0000"/>
+            <a:srgbClr val="00FF00"/>
           </a:solidFill>
           <a:ln w="27432">
             <a:solidFill>
@@ -3203,7 +3203,7 @@
             <a:avLst/>
           </a:prstGeom>
           <a:solidFill>
-            <a:srgbClr val="FF0000"/>
+            <a:srgbClr val="00FF00"/>
           </a:solidFill>
           <a:ln w="27432">
             <a:solidFill>
@@ -3277,7 +3277,7 @@
             <a:avLst/>
           </a:prstGeom>
           <a:solidFill>
-            <a:srgbClr val="FF0000"/>
+            <a:srgbClr val="00FF00"/>
           </a:solidFill>
           <a:ln w="27432">
             <a:solidFill>
@@ -3351,7 +3351,7 @@
             <a:avLst/>
           </a:prstGeom>
           <a:solidFill>
-            <a:srgbClr val="FF0000"/>
+            <a:srgbClr val="00FF00"/>
           </a:solidFill>
           <a:ln w="27432">
             <a:solidFill>
@@ -3425,7 +3425,7 @@
             <a:avLst/>
           </a:prstGeom>
           <a:solidFill>
-            <a:srgbClr val="FF0000"/>
+            <a:srgbClr val="00FF00"/>
           </a:solidFill>
           <a:ln w="27432">
             <a:solidFill>
@@ -3499,7 +3499,7 @@
             <a:avLst/>
           </a:prstGeom>
           <a:solidFill>
-            <a:srgbClr val="FF0000"/>
+            <a:srgbClr val="00FF00"/>
           </a:solidFill>
           <a:ln w="27432">
             <a:solidFill>
@@ -3573,7 +3573,7 @@
             <a:avLst/>
           </a:prstGeom>
           <a:solidFill>
-            <a:srgbClr val="FF0000"/>
+            <a:srgbClr val="00FF00"/>
           </a:solidFill>
           <a:ln w="27432">
             <a:solidFill>
@@ -3647,7 +3647,7 @@
             <a:avLst/>
           </a:prstGeom>
           <a:solidFill>
-            <a:srgbClr val="FF0000"/>
+            <a:srgbClr val="00FF00"/>
           </a:solidFill>
           <a:ln w="27432">
             <a:solidFill>
@@ -3721,7 +3721,7 @@
             <a:avLst/>
           </a:prstGeom>
           <a:solidFill>
-            <a:srgbClr val="FF0000"/>
+            <a:srgbClr val="00FF00"/>
           </a:solidFill>
           <a:ln w="27432">
             <a:solidFill>
@@ -3795,7 +3795,7 @@
             <a:avLst/>
           </a:prstGeom>
           <a:solidFill>
-            <a:srgbClr val="FF0000"/>
+            <a:srgbClr val="00FF00"/>
           </a:solidFill>
           <a:ln w="27432">
             <a:solidFill>
@@ -3869,7 +3869,7 @@
             <a:avLst/>
           </a:prstGeom>
           <a:solidFill>
-            <a:srgbClr val="FF0000"/>
+            <a:srgbClr val="00FF00"/>
           </a:solidFill>
           <a:ln w="27432">
             <a:solidFill>
@@ -3943,7 +3943,7 @@
             <a:avLst/>
           </a:prstGeom>
           <a:solidFill>
-            <a:srgbClr val="FF0000"/>
+            <a:srgbClr val="00FF00"/>
           </a:solidFill>
           <a:ln w="27432">
             <a:solidFill>
@@ -4017,7 +4017,7 @@
             <a:avLst/>
           </a:prstGeom>
           <a:solidFill>
-            <a:srgbClr val="FF0000"/>
+            <a:srgbClr val="00FF00"/>
           </a:solidFill>
           <a:ln w="27432">
             <a:solidFill>
@@ -4091,7 +4091,7 @@
             <a:avLst/>
           </a:prstGeom>
           <a:solidFill>
-            <a:srgbClr val="FF0000"/>
+            <a:srgbClr val="00FF00"/>
           </a:solidFill>
           <a:ln w="27432">
             <a:solidFill>
@@ -4165,7 +4165,7 @@
             <a:avLst/>
           </a:prstGeom>
           <a:solidFill>
-            <a:srgbClr val="FF0000"/>
+            <a:srgbClr val="00FF00"/>
           </a:solidFill>
           <a:ln w="27432">
             <a:solidFill>
@@ -4239,7 +4239,7 @@
             <a:avLst/>
           </a:prstGeom>
           <a:solidFill>
-            <a:srgbClr val="FF0000"/>
+            <a:srgbClr val="00FF00"/>
           </a:solidFill>
           <a:ln w="27432">
             <a:solidFill>
@@ -4313,7 +4313,7 @@
             <a:avLst/>
           </a:prstGeom>
           <a:solidFill>
-            <a:srgbClr val="FF0000"/>
+            <a:srgbClr val="00FF00"/>
           </a:solidFill>
           <a:ln w="27432">
             <a:solidFill>
@@ -4387,7 +4387,7 @@
             <a:avLst/>
           </a:prstGeom>
           <a:solidFill>
-            <a:srgbClr val="FF0000"/>
+            <a:srgbClr val="00FF00"/>
           </a:solidFill>
           <a:ln w="27432">
             <a:solidFill>
@@ -4461,7 +4461,7 @@
             <a:avLst/>
           </a:prstGeom>
           <a:solidFill>
-            <a:srgbClr val="FF0000"/>
+            <a:srgbClr val="00FF00"/>
           </a:solidFill>
           <a:ln w="27432">
             <a:solidFill>
@@ -4535,7 +4535,7 @@
             <a:avLst/>
           </a:prstGeom>
           <a:solidFill>
-            <a:srgbClr val="FF0000"/>
+            <a:srgbClr val="00FF00"/>
           </a:solidFill>
           <a:ln w="27432">
             <a:solidFill>
@@ -4609,7 +4609,7 @@
             <a:avLst/>
           </a:prstGeom>
           <a:solidFill>
-            <a:srgbClr val="FF0000"/>
+            <a:srgbClr val="00FF00"/>
           </a:solidFill>
           <a:ln w="27432">
             <a:solidFill>
@@ -4683,7 +4683,7 @@
             <a:avLst/>
           </a:prstGeom>
           <a:solidFill>
-            <a:srgbClr val="FF0000"/>
+            <a:srgbClr val="00FF00"/>
           </a:solidFill>
           <a:ln w="27432">
             <a:solidFill>
@@ -4757,7 +4757,7 @@
             <a:avLst/>
           </a:prstGeom>
           <a:solidFill>
-            <a:srgbClr val="FF0000"/>
+            <a:srgbClr val="00FF00"/>
           </a:solidFill>
           <a:ln w="27432">
             <a:solidFill>
@@ -4831,7 +4831,7 @@
             <a:avLst/>
           </a:prstGeom>
           <a:solidFill>
-            <a:srgbClr val="FF0000"/>
+            <a:srgbClr val="00FF00"/>
           </a:solidFill>
           <a:ln w="27432">
             <a:solidFill>
@@ -4905,7 +4905,7 @@
             <a:avLst/>
           </a:prstGeom>
           <a:solidFill>
-            <a:srgbClr val="FF0000"/>
+            <a:srgbClr val="00FF00"/>
           </a:solidFill>
           <a:ln w="27432">
             <a:solidFill>
@@ -4979,7 +4979,7 @@
             <a:avLst/>
           </a:prstGeom>
           <a:solidFill>
-            <a:srgbClr val="FF0000"/>
+            <a:srgbClr val="00FF00"/>
           </a:solidFill>
           <a:ln w="27432">
             <a:solidFill>
@@ -5053,7 +5053,7 @@
             <a:avLst/>
           </a:prstGeom>
           <a:solidFill>
-            <a:srgbClr val="FF0000"/>
+            <a:srgbClr val="00FF00"/>
           </a:solidFill>
           <a:ln w="27432">
             <a:solidFill>
@@ -5127,7 +5127,7 @@
             <a:avLst/>
           </a:prstGeom>
           <a:solidFill>
-            <a:srgbClr val="FF0000"/>
+            <a:srgbClr val="00FF00"/>
           </a:solidFill>
           <a:ln w="27432">
             <a:solidFill>
@@ -5201,7 +5201,7 @@
             <a:avLst/>
           </a:prstGeom>
           <a:solidFill>
-            <a:srgbClr val="FF0000"/>
+            <a:srgbClr val="00FF00"/>
           </a:solidFill>
           <a:ln w="27432">
             <a:solidFill>
@@ -6626,7 +6626,7 @@
           <a:p>
             <a:r>
               <a:rPr b="1"/>
-              <a:t>teste</a:t>
+              <a:t>tesset</a:t>
             </a:r>
           </a:p>
         </p:txBody>
@@ -6726,7 +6726,7 @@
           <a:p>
             <a:r>
               <a:rPr b="1"/>
-              <a:t>teste</a:t>
+              <a:t>tesset</a:t>
             </a:r>
           </a:p>
         </p:txBody>
@@ -6826,7 +6826,7 @@
           <a:p>
             <a:r>
               <a:rPr b="1"/>
-              <a:t>teste</a:t>
+              <a:t>tesset</a:t>
             </a:r>
           </a:p>
         </p:txBody>

--- a/oldVersion/apresentacao_com_fundo_e_grafico.pptx
+++ b/oldVersion/apresentacao_com_fundo_e_grafico.pptx
@@ -3129,7 +3129,7 @@
             <a:avLst/>
           </a:prstGeom>
           <a:solidFill>
-            <a:srgbClr val="00FF00"/>
+            <a:srgbClr val="FF0000"/>
           </a:solidFill>
           <a:ln w="27432">
             <a:solidFill>
@@ -3203,7 +3203,7 @@
             <a:avLst/>
           </a:prstGeom>
           <a:solidFill>
-            <a:srgbClr val="00FF00"/>
+            <a:srgbClr val="FF0000"/>
           </a:solidFill>
           <a:ln w="27432">
             <a:solidFill>
@@ -3277,7 +3277,7 @@
             <a:avLst/>
           </a:prstGeom>
           <a:solidFill>
-            <a:srgbClr val="00FF00"/>
+            <a:srgbClr val="FF0000"/>
           </a:solidFill>
           <a:ln w="27432">
             <a:solidFill>
@@ -3351,7 +3351,7 @@
             <a:avLst/>
           </a:prstGeom>
           <a:solidFill>
-            <a:srgbClr val="00FF00"/>
+            <a:srgbClr val="FF0000"/>
           </a:solidFill>
           <a:ln w="27432">
             <a:solidFill>
@@ -3425,7 +3425,7 @@
             <a:avLst/>
           </a:prstGeom>
           <a:solidFill>
-            <a:srgbClr val="00FF00"/>
+            <a:srgbClr val="FF0000"/>
           </a:solidFill>
           <a:ln w="27432">
             <a:solidFill>
@@ -3499,7 +3499,7 @@
             <a:avLst/>
           </a:prstGeom>
           <a:solidFill>
-            <a:srgbClr val="00FF00"/>
+            <a:srgbClr val="FF0000"/>
           </a:solidFill>
           <a:ln w="27432">
             <a:solidFill>
@@ -3573,7 +3573,7 @@
             <a:avLst/>
           </a:prstGeom>
           <a:solidFill>
-            <a:srgbClr val="00FF00"/>
+            <a:srgbClr val="FF0000"/>
           </a:solidFill>
           <a:ln w="27432">
             <a:solidFill>
@@ -3647,7 +3647,7 @@
             <a:avLst/>
           </a:prstGeom>
           <a:solidFill>
-            <a:srgbClr val="00FF00"/>
+            <a:srgbClr val="FF0000"/>
           </a:solidFill>
           <a:ln w="27432">
             <a:solidFill>
@@ -3721,7 +3721,7 @@
             <a:avLst/>
           </a:prstGeom>
           <a:solidFill>
-            <a:srgbClr val="00FF00"/>
+            <a:srgbClr val="FF0000"/>
           </a:solidFill>
           <a:ln w="27432">
             <a:solidFill>
@@ -3795,7 +3795,7 @@
             <a:avLst/>
           </a:prstGeom>
           <a:solidFill>
-            <a:srgbClr val="00FF00"/>
+            <a:srgbClr val="FF0000"/>
           </a:solidFill>
           <a:ln w="27432">
             <a:solidFill>
@@ -3869,7 +3869,7 @@
             <a:avLst/>
           </a:prstGeom>
           <a:solidFill>
-            <a:srgbClr val="00FF00"/>
+            <a:srgbClr val="FF0000"/>
           </a:solidFill>
           <a:ln w="27432">
             <a:solidFill>
@@ -3943,7 +3943,7 @@
             <a:avLst/>
           </a:prstGeom>
           <a:solidFill>
-            <a:srgbClr val="00FF00"/>
+            <a:srgbClr val="FF0000"/>
           </a:solidFill>
           <a:ln w="27432">
             <a:solidFill>
@@ -4017,7 +4017,7 @@
             <a:avLst/>
           </a:prstGeom>
           <a:solidFill>
-            <a:srgbClr val="00FF00"/>
+            <a:srgbClr val="FF0000"/>
           </a:solidFill>
           <a:ln w="27432">
             <a:solidFill>
@@ -4091,7 +4091,7 @@
             <a:avLst/>
           </a:prstGeom>
           <a:solidFill>
-            <a:srgbClr val="00FF00"/>
+            <a:srgbClr val="FF0000"/>
           </a:solidFill>
           <a:ln w="27432">
             <a:solidFill>
@@ -4165,7 +4165,7 @@
             <a:avLst/>
           </a:prstGeom>
           <a:solidFill>
-            <a:srgbClr val="00FF00"/>
+            <a:srgbClr val="FF0000"/>
           </a:solidFill>
           <a:ln w="27432">
             <a:solidFill>
@@ -4239,7 +4239,7 @@
             <a:avLst/>
           </a:prstGeom>
           <a:solidFill>
-            <a:srgbClr val="00FF00"/>
+            <a:srgbClr val="FF0000"/>
           </a:solidFill>
           <a:ln w="27432">
             <a:solidFill>
@@ -4313,7 +4313,7 @@
             <a:avLst/>
           </a:prstGeom>
           <a:solidFill>
-            <a:srgbClr val="00FF00"/>
+            <a:srgbClr val="FF0000"/>
           </a:solidFill>
           <a:ln w="27432">
             <a:solidFill>
@@ -4387,7 +4387,7 @@
             <a:avLst/>
           </a:prstGeom>
           <a:solidFill>
-            <a:srgbClr val="00FF00"/>
+            <a:srgbClr val="FF0000"/>
           </a:solidFill>
           <a:ln w="27432">
             <a:solidFill>
@@ -4461,7 +4461,7 @@
             <a:avLst/>
           </a:prstGeom>
           <a:solidFill>
-            <a:srgbClr val="00FF00"/>
+            <a:srgbClr val="FF0000"/>
           </a:solidFill>
           <a:ln w="27432">
             <a:solidFill>
@@ -4535,7 +4535,7 @@
             <a:avLst/>
           </a:prstGeom>
           <a:solidFill>
-            <a:srgbClr val="00FF00"/>
+            <a:srgbClr val="FF0000"/>
           </a:solidFill>
           <a:ln w="27432">
             <a:solidFill>
@@ -4609,7 +4609,7 @@
             <a:avLst/>
           </a:prstGeom>
           <a:solidFill>
-            <a:srgbClr val="00FF00"/>
+            <a:srgbClr val="FF0000"/>
           </a:solidFill>
           <a:ln w="27432">
             <a:solidFill>
@@ -4683,7 +4683,7 @@
             <a:avLst/>
           </a:prstGeom>
           <a:solidFill>
-            <a:srgbClr val="00FF00"/>
+            <a:srgbClr val="FF0000"/>
           </a:solidFill>
           <a:ln w="27432">
             <a:solidFill>
@@ -4757,7 +4757,7 @@
             <a:avLst/>
           </a:prstGeom>
           <a:solidFill>
-            <a:srgbClr val="00FF00"/>
+            <a:srgbClr val="FF0000"/>
           </a:solidFill>
           <a:ln w="27432">
             <a:solidFill>
@@ -4831,7 +4831,7 @@
             <a:avLst/>
           </a:prstGeom>
           <a:solidFill>
-            <a:srgbClr val="00FF00"/>
+            <a:srgbClr val="FF0000"/>
           </a:solidFill>
           <a:ln w="27432">
             <a:solidFill>
@@ -4905,7 +4905,7 @@
             <a:avLst/>
           </a:prstGeom>
           <a:solidFill>
-            <a:srgbClr val="00FF00"/>
+            <a:srgbClr val="FF0000"/>
           </a:solidFill>
           <a:ln w="27432">
             <a:solidFill>
@@ -4979,7 +4979,7 @@
             <a:avLst/>
           </a:prstGeom>
           <a:solidFill>
-            <a:srgbClr val="00FF00"/>
+            <a:srgbClr val="FF0000"/>
           </a:solidFill>
           <a:ln w="27432">
             <a:solidFill>
@@ -5053,7 +5053,7 @@
             <a:avLst/>
           </a:prstGeom>
           <a:solidFill>
-            <a:srgbClr val="00FF00"/>
+            <a:srgbClr val="FF0000"/>
           </a:solidFill>
           <a:ln w="27432">
             <a:solidFill>
@@ -5127,7 +5127,7 @@
             <a:avLst/>
           </a:prstGeom>
           <a:solidFill>
-            <a:srgbClr val="00FF00"/>
+            <a:srgbClr val="FF0000"/>
           </a:solidFill>
           <a:ln w="27432">
             <a:solidFill>
@@ -5201,7 +5201,7 @@
             <a:avLst/>
           </a:prstGeom>
           <a:solidFill>
-            <a:srgbClr val="00FF00"/>
+            <a:srgbClr val="FF0000"/>
           </a:solidFill>
           <a:ln w="27432">
             <a:solidFill>
@@ -5275,7 +5275,7 @@
             <a:avLst/>
           </a:prstGeom>
           <a:solidFill>
-            <a:srgbClr val="00FF00"/>
+            <a:srgbClr val="FF0000"/>
           </a:solidFill>
           <a:ln w="27432">
             <a:solidFill>
@@ -6626,7 +6626,7 @@
           <a:p>
             <a:r>
               <a:rPr b="1"/>
-              <a:t>tesset</a:t>
+              <a:t>1</a:t>
             </a:r>
           </a:p>
         </p:txBody>
@@ -6726,7 +6726,7 @@
           <a:p>
             <a:r>
               <a:rPr b="1"/>
-              <a:t>tesset</a:t>
+              <a:t>1</a:t>
             </a:r>
           </a:p>
         </p:txBody>
@@ -6826,7 +6826,7 @@
           <a:p>
             <a:r>
               <a:rPr b="1"/>
-              <a:t>tesset</a:t>
+              <a:t>1</a:t>
             </a:r>
           </a:p>
         </p:txBody>
